--- a/Meeting Materials/draft-ietf-ccamp-yang-otn-slicing-04.pptx
+++ b/Meeting Materials/draft-ietf-ccamp-yang-otn-slicing-04.pptx
@@ -226,7 +226,7 @@
           <a:p>
             <a:fld id="{59711742-25F0-43F6-882D-B8403339F2D1}" type="datetimeFigureOut">
               <a:rPr lang="en-US" smtClean="0"/>
-              <a:t>3/23/2023</a:t>
+              <a:t>3/24/2023</a:t>
             </a:fld>
             <a:endParaRPr lang="en-US"/>
           </a:p>
@@ -1060,7 +1060,7 @@
           <a:p>
             <a:fld id="{11EADF87-7BA1-4934-894F-828C76552A18}" type="datetime1">
               <a:rPr lang="en-US" smtClean="0"/>
-              <a:t>3/23/2023</a:t>
+              <a:t>3/24/2023</a:t>
             </a:fld>
             <a:endParaRPr lang="en-US"/>
           </a:p>
@@ -1261,7 +1261,7 @@
           <a:p>
             <a:fld id="{85D92055-2432-4DF3-97D9-9AAC5D502BA1}" type="datetime1">
               <a:rPr lang="en-US" smtClean="0"/>
-              <a:t>3/23/2023</a:t>
+              <a:t>3/24/2023</a:t>
             </a:fld>
             <a:endParaRPr lang="en-US"/>
           </a:p>
@@ -1472,7 +1472,7 @@
           <a:p>
             <a:fld id="{9982AC4B-3F7F-442E-97CB-3FE75166B923}" type="datetime1">
               <a:rPr lang="en-US" smtClean="0"/>
-              <a:t>3/23/2023</a:t>
+              <a:t>3/24/2023</a:t>
             </a:fld>
             <a:endParaRPr lang="en-US"/>
           </a:p>
@@ -1673,7 +1673,7 @@
           <a:p>
             <a:fld id="{86764C34-DC39-41C4-8B6A-5EA7B47F74F1}" type="datetime1">
               <a:rPr lang="en-US" smtClean="0"/>
-              <a:t>3/23/2023</a:t>
+              <a:t>3/24/2023</a:t>
             </a:fld>
             <a:endParaRPr lang="en-US"/>
           </a:p>
@@ -1951,7 +1951,7 @@
           <a:p>
             <a:fld id="{9AD06E72-0C8D-44B3-AA53-2FB152485C62}" type="datetime1">
               <a:rPr lang="en-US" smtClean="0"/>
-              <a:t>3/23/2023</a:t>
+              <a:t>3/24/2023</a:t>
             </a:fld>
             <a:endParaRPr lang="en-US"/>
           </a:p>
@@ -2219,7 +2219,7 @@
           <a:p>
             <a:fld id="{66188E82-78A8-432F-A905-64D37DCF7108}" type="datetime1">
               <a:rPr lang="en-US" smtClean="0"/>
-              <a:t>3/23/2023</a:t>
+              <a:t>3/24/2023</a:t>
             </a:fld>
             <a:endParaRPr lang="en-US"/>
           </a:p>
@@ -2634,7 +2634,7 @@
           <a:p>
             <a:fld id="{4F6C27C5-5812-4AB4-AA99-BFA1A6532403}" type="datetime1">
               <a:rPr lang="en-US" smtClean="0"/>
-              <a:t>3/23/2023</a:t>
+              <a:t>3/24/2023</a:t>
             </a:fld>
             <a:endParaRPr lang="en-US"/>
           </a:p>
@@ -2778,7 +2778,7 @@
           <a:p>
             <a:fld id="{01E17CC1-43C0-45B8-AB30-B4F1979189AC}" type="datetime1">
               <a:rPr lang="en-US" smtClean="0"/>
-              <a:t>3/23/2023</a:t>
+              <a:t>3/24/2023</a:t>
             </a:fld>
             <a:endParaRPr lang="en-US"/>
           </a:p>
@@ -2894,7 +2894,7 @@
           <a:p>
             <a:fld id="{86720E5C-818F-46A2-A674-ACF0EF433E2C}" type="datetime1">
               <a:rPr lang="en-US" smtClean="0"/>
-              <a:t>3/23/2023</a:t>
+              <a:t>3/24/2023</a:t>
             </a:fld>
             <a:endParaRPr lang="en-US"/>
           </a:p>
@@ -3208,7 +3208,7 @@
           <a:p>
             <a:fld id="{3BF26B5B-FDE8-4DDB-82A7-BEF41002D93B}" type="datetime1">
               <a:rPr lang="en-US" smtClean="0"/>
-              <a:t>3/23/2023</a:t>
+              <a:t>3/24/2023</a:t>
             </a:fld>
             <a:endParaRPr lang="en-US"/>
           </a:p>
@@ -3499,7 +3499,7 @@
           <a:p>
             <a:fld id="{5CC07EE6-18E8-48EE-9715-5838292A3776}" type="datetime1">
               <a:rPr lang="en-US" smtClean="0"/>
-              <a:t>3/23/2023</a:t>
+              <a:t>3/24/2023</a:t>
             </a:fld>
             <a:endParaRPr lang="en-US"/>
           </a:p>
@@ -3743,7 +3743,7 @@
           <a:p>
             <a:fld id="{9025BCED-13F6-41CB-8B3C-875C16F6C384}" type="datetime1">
               <a:rPr lang="en-US" smtClean="0"/>
-              <a:t>3/23/2023</a:t>
+              <a:t>3/24/2023</a:t>
             </a:fld>
             <a:endParaRPr lang="en-US"/>
           </a:p>
@@ -7498,7 +7498,15 @@
             </a:r>
             <a:r>
               <a:rPr lang="en-US" sz="2000" dirty="0"/>
-              <a:t>-transport-network-slice can be eliminated in all if agreed to merge</a:t>
+              <a:t>-transport-network-slice can be eliminated entirely if </a:t>
+            </a:r>
+            <a:r>
+              <a:rPr lang="en-US" sz="2000"/>
+              <a:t>it is agreed </a:t>
+            </a:r>
+            <a:r>
+              <a:rPr lang="en-US" sz="2000" dirty="0"/>
+              <a:t>to merge</a:t>
             </a:r>
           </a:p>
           <a:p>
@@ -8990,14 +8998,6 @@
 </file>
 
 <file path=customXml/item1.xml><?xml version="1.0" encoding="utf-8"?>
-<p:properties xmlns:p="http://schemas.microsoft.com/office/2006/metadata/properties" xmlns:xsi="http://www.w3.org/2001/XMLSchema-instance" xmlns:pc="http://schemas.microsoft.com/office/infopath/2007/PartnerControls">
-  <documentManagement>
-    <HideFromDelve xmlns="71c5aaf6-e6ce-465b-b873-5148d2a4c105">false</HideFromDelve>
-  </documentManagement>
-</p:properties>
-</file>
-
-<file path=customXml/item2.xml><?xml version="1.0" encoding="utf-8"?>
 <ct:contentTypeSchema xmlns:ct="http://schemas.microsoft.com/office/2006/metadata/contentType" xmlns:ma="http://schemas.microsoft.com/office/2006/metadata/properties/metaAttributes" ct:_="" ma:_="" ma:contentTypeName="Document" ma:contentTypeID="0x01010083185B6FD968AC4F8244C98DADFCDDF2" ma:contentTypeVersion="10" ma:contentTypeDescription="Create a new document." ma:contentTypeScope="" ma:versionID="a0a5748a9dac91f93248b2b077c41dd7">
   <xsd:schema xmlns:xsd="http://www.w3.org/2001/XMLSchema" xmlns:xs="http://www.w3.org/2001/XMLSchema" xmlns:p="http://schemas.microsoft.com/office/2006/metadata/properties" xmlns:ns3="71c5aaf6-e6ce-465b-b873-5148d2a4c105" xmlns:ns4="687e87d0-d0a8-4c48-8f94-14f0c67212c5" xmlns:ns5="b4d06219-a142-4c5f-be55-53f74cb980c7" targetNamespace="http://schemas.microsoft.com/office/2006/metadata/properties" ma:root="true" ma:fieldsID="b06f86fc5fa60c034a6b2d88bb81de5b" ns3:_="" ns4:_="" ns5:_="">
     <xsd:import namespace="71c5aaf6-e6ce-465b-b873-5148d2a4c105"/>
@@ -9236,9 +9236,21 @@
 </ct:contentTypeSchema>
 </file>
 
+<file path=customXml/item2.xml><?xml version="1.0" encoding="utf-8"?>
+<p:properties xmlns:p="http://schemas.microsoft.com/office/2006/metadata/properties" xmlns:xsi="http://www.w3.org/2001/XMLSchema-instance" xmlns:pc="http://schemas.microsoft.com/office/infopath/2007/PartnerControls">
+  <documentManagement>
+    <HideFromDelve xmlns="71c5aaf6-e6ce-465b-b873-5148d2a4c105">false</HideFromDelve>
+  </documentManagement>
+</p:properties>
+</file>
+
 <file path=customXml/item3.xml><?xml version="1.0" encoding="utf-8"?>
 <?mso-contentType ?>
-<SharedContentType xmlns="Microsoft.SharePoint.Taxonomy.ContentTypeSync" SourceId="34c87397-5fc1-491e-85e7-d6110dbe9cbd" ContentTypeId="0x0101" PreviousValue="false"/>
+<FormTemplates xmlns="http://schemas.microsoft.com/sharepoint/v3/contenttype/forms">
+  <Display>DocumentLibraryForm</Display>
+  <Edit>DocumentLibraryForm</Edit>
+  <New>DocumentLibraryForm</New>
+</FormTemplates>
 </file>
 
 <file path=customXml/item4.xml><?xml version="1.0" encoding="utf-8"?>
@@ -9248,32 +9260,10 @@
 
 <file path=customXml/item5.xml><?xml version="1.0" encoding="utf-8"?>
 <?mso-contentType ?>
-<FormTemplates xmlns="http://schemas.microsoft.com/sharepoint/v3/contenttype/forms">
-  <Display>DocumentLibraryForm</Display>
-  <Edit>DocumentLibraryForm</Edit>
-  <New>DocumentLibraryForm</New>
-</FormTemplates>
+<SharedContentType xmlns="Microsoft.SharePoint.Taxonomy.ContentTypeSync" SourceId="34c87397-5fc1-491e-85e7-d6110dbe9cbd" ContentTypeId="0x0101" PreviousValue="false"/>
 </file>
 
 <file path=customXml/itemProps1.xml><?xml version="1.0" encoding="utf-8"?>
-<ds:datastoreItem xmlns:ds="http://schemas.openxmlformats.org/officeDocument/2006/customXml" ds:itemID="{D1402BC5-1A46-47E2-B58E-ED5697CD9276}">
-  <ds:schemaRefs>
-    <ds:schemaRef ds:uri="71c5aaf6-e6ce-465b-b873-5148d2a4c105"/>
-    <ds:schemaRef ds:uri="http://purl.org/dc/elements/1.1/"/>
-    <ds:schemaRef ds:uri="http://schemas.openxmlformats.org/package/2006/metadata/core-properties"/>
-    <ds:schemaRef ds:uri="687e87d0-d0a8-4c48-8f94-14f0c67212c5"/>
-    <ds:schemaRef ds:uri="http://schemas.microsoft.com/office/2006/documentManagement/types"/>
-    <ds:schemaRef ds:uri="http://purl.org/dc/terms/"/>
-    <ds:schemaRef ds:uri="http://purl.org/dc/dcmitype/"/>
-    <ds:schemaRef ds:uri="http://schemas.microsoft.com/office/infopath/2007/PartnerControls"/>
-    <ds:schemaRef ds:uri="b4d06219-a142-4c5f-be55-53f74cb980c7"/>
-    <ds:schemaRef ds:uri="http://schemas.microsoft.com/office/2006/metadata/properties"/>
-    <ds:schemaRef ds:uri="http://www.w3.org/XML/1998/namespace"/>
-  </ds:schemaRefs>
-</ds:datastoreItem>
-</file>
-
-<file path=customXml/itemProps2.xml><?xml version="1.0" encoding="utf-8"?>
 <ds:datastoreItem xmlns:ds="http://schemas.openxmlformats.org/officeDocument/2006/customXml" ds:itemID="{334975F1-7A16-4F7E-84AE-F419563FD202}">
   <ds:schemaRefs>
     <ds:schemaRef ds:uri="http://schemas.microsoft.com/office/2006/metadata/contentType"/>
@@ -9293,10 +9283,28 @@
 </ds:datastoreItem>
 </file>
 
+<file path=customXml/itemProps2.xml><?xml version="1.0" encoding="utf-8"?>
+<ds:datastoreItem xmlns:ds="http://schemas.openxmlformats.org/officeDocument/2006/customXml" ds:itemID="{D1402BC5-1A46-47E2-B58E-ED5697CD9276}">
+  <ds:schemaRefs>
+    <ds:schemaRef ds:uri="71c5aaf6-e6ce-465b-b873-5148d2a4c105"/>
+    <ds:schemaRef ds:uri="http://purl.org/dc/elements/1.1/"/>
+    <ds:schemaRef ds:uri="http://schemas.openxmlformats.org/package/2006/metadata/core-properties"/>
+    <ds:schemaRef ds:uri="687e87d0-d0a8-4c48-8f94-14f0c67212c5"/>
+    <ds:schemaRef ds:uri="http://schemas.microsoft.com/office/2006/documentManagement/types"/>
+    <ds:schemaRef ds:uri="http://purl.org/dc/terms/"/>
+    <ds:schemaRef ds:uri="http://purl.org/dc/dcmitype/"/>
+    <ds:schemaRef ds:uri="http://schemas.microsoft.com/office/infopath/2007/PartnerControls"/>
+    <ds:schemaRef ds:uri="b4d06219-a142-4c5f-be55-53f74cb980c7"/>
+    <ds:schemaRef ds:uri="http://schemas.microsoft.com/office/2006/metadata/properties"/>
+    <ds:schemaRef ds:uri="http://www.w3.org/XML/1998/namespace"/>
+  </ds:schemaRefs>
+</ds:datastoreItem>
+</file>
+
 <file path=customXml/itemProps3.xml><?xml version="1.0" encoding="utf-8"?>
-<ds:datastoreItem xmlns:ds="http://schemas.openxmlformats.org/officeDocument/2006/customXml" ds:itemID="{68412ECC-D61E-4B23-B7FF-722505864B65}">
+<ds:datastoreItem xmlns:ds="http://schemas.openxmlformats.org/officeDocument/2006/customXml" ds:itemID="{FFF5BEF5-BF1F-44F4-AFBC-1295B944FD55}">
   <ds:schemaRefs>
-    <ds:schemaRef ds:uri="Microsoft.SharePoint.Taxonomy.ContentTypeSync"/>
+    <ds:schemaRef ds:uri="http://schemas.microsoft.com/sharepoint/v3/contenttype/forms"/>
   </ds:schemaRefs>
 </ds:datastoreItem>
 </file>
@@ -9310,9 +9318,9 @@
 </file>
 
 <file path=customXml/itemProps5.xml><?xml version="1.0" encoding="utf-8"?>
-<ds:datastoreItem xmlns:ds="http://schemas.openxmlformats.org/officeDocument/2006/customXml" ds:itemID="{FFF5BEF5-BF1F-44F4-AFBC-1295B944FD55}">
+<ds:datastoreItem xmlns:ds="http://schemas.openxmlformats.org/officeDocument/2006/customXml" ds:itemID="{68412ECC-D61E-4B23-B7FF-722505864B65}">
   <ds:schemaRefs>
-    <ds:schemaRef ds:uri="http://schemas.microsoft.com/sharepoint/v3/contenttype/forms"/>
+    <ds:schemaRef ds:uri="Microsoft.SharePoint.Taxonomy.ContentTypeSync"/>
   </ds:schemaRefs>
 </ds:datastoreItem>
 </file>